--- a/latex/presentazione/Presentazione.pptx
+++ b/latex/presentazione/Presentazione.pptx
@@ -882,7 +882,7 @@
           <a:p>
             <a:fld id="{9A4A4C9F-98E9-4591-8560-969415D78A2B}" type="datetimeFigureOut">
               <a:rPr lang="it-IT" smtClean="0"/>
-              <a:t>08/02/2025</a:t>
+              <a:t>09/02/2025</a:t>
             </a:fld>
             <a:endParaRPr lang="it-IT"/>
           </a:p>
@@ -1706,8 +1706,8 @@
         </p:nvSpPr>
         <p:spPr/>
       </p:sp>
-      <mc:AlternateContent xmlns:mc="http://schemas.openxmlformats.org/markup-compatibility/2006">
-        <mc:Choice xmlns:a14="http://schemas.microsoft.com/office/drawing/2010/main" Requires="a14">
+      <mc:AlternateContent xmlns:mc="http://schemas.openxmlformats.org/markup-compatibility/2006" xmlns:a14="http://schemas.microsoft.com/office/drawing/2010/main">
+        <mc:Choice Requires="a14">
           <p:sp>
             <p:nvSpPr>
               <p:cNvPr id="3" name="Segnaposto note 2">
@@ -1878,7 +1878,7 @@
             </p:txBody>
           </p:sp>
         </mc:Choice>
-        <mc:Fallback>
+        <mc:Fallback xmlns="">
           <p:sp>
             <p:nvSpPr>
               <p:cNvPr id="3" name="Segnaposto note 2">
@@ -2574,7 +2574,7 @@
                   <a:srgbClr val="92D050"/>
                 </a:solidFill>
               </a:rPr>
-              <a:t>psi 0 e psi 1 non fanno parte dell’oracolo</a:t>
+              <a:t>Rust security by design come il titolo del documento…</a:t>
             </a:r>
           </a:p>
           <a:p>
@@ -2696,6 +2696,20 @@
         <p:txBody>
           <a:bodyPr/>
           <a:lstStyle/>
+          <a:p>
+            <a:pPr marL="228600" indent="-228600">
+              <a:buFont typeface="+mj-lt"/>
+              <a:buAutoNum type="arabicPeriod"/>
+            </a:pPr>
+            <a:r>
+              <a:rPr lang="it-IT"/>
+              <a:t>pubblicato </a:t>
+            </a:r>
+            <a:r>
+              <a:rPr lang="it-IT" dirty="0"/>
+              <a:t>da CISA</a:t>
+            </a:r>
+          </a:p>
           <a:p>
             <a:pPr marL="228600" indent="-228600">
               <a:buFont typeface="+mj-lt"/>
@@ -2907,7 +2921,7 @@
           <a:p>
             <a:fld id="{F0BDD25D-CE61-40B1-8B8A-B25BFE7A8999}" type="datetimeFigureOut">
               <a:rPr lang="it-IT" smtClean="0"/>
-              <a:t>08/02/2025</a:t>
+              <a:t>09/02/2025</a:t>
             </a:fld>
             <a:endParaRPr lang="it-IT"/>
           </a:p>
@@ -3105,7 +3119,7 @@
           <a:p>
             <a:fld id="{F0BDD25D-CE61-40B1-8B8A-B25BFE7A8999}" type="datetimeFigureOut">
               <a:rPr lang="it-IT" smtClean="0"/>
-              <a:t>08/02/2025</a:t>
+              <a:t>09/02/2025</a:t>
             </a:fld>
             <a:endParaRPr lang="it-IT"/>
           </a:p>
@@ -3313,7 +3327,7 @@
           <a:p>
             <a:fld id="{F0BDD25D-CE61-40B1-8B8A-B25BFE7A8999}" type="datetimeFigureOut">
               <a:rPr lang="it-IT" smtClean="0"/>
-              <a:t>08/02/2025</a:t>
+              <a:t>09/02/2025</a:t>
             </a:fld>
             <a:endParaRPr lang="it-IT"/>
           </a:p>
@@ -3511,7 +3525,7 @@
           <a:p>
             <a:fld id="{F0BDD25D-CE61-40B1-8B8A-B25BFE7A8999}" type="datetimeFigureOut">
               <a:rPr lang="it-IT" smtClean="0"/>
-              <a:t>08/02/2025</a:t>
+              <a:t>09/02/2025</a:t>
             </a:fld>
             <a:endParaRPr lang="it-IT"/>
           </a:p>
@@ -3786,7 +3800,7 @@
           <a:p>
             <a:fld id="{F0BDD25D-CE61-40B1-8B8A-B25BFE7A8999}" type="datetimeFigureOut">
               <a:rPr lang="it-IT" smtClean="0"/>
-              <a:t>08/02/2025</a:t>
+              <a:t>09/02/2025</a:t>
             </a:fld>
             <a:endParaRPr lang="it-IT"/>
           </a:p>
@@ -4051,7 +4065,7 @@
           <a:p>
             <a:fld id="{F0BDD25D-CE61-40B1-8B8A-B25BFE7A8999}" type="datetimeFigureOut">
               <a:rPr lang="it-IT" smtClean="0"/>
-              <a:t>08/02/2025</a:t>
+              <a:t>09/02/2025</a:t>
             </a:fld>
             <a:endParaRPr lang="it-IT"/>
           </a:p>
@@ -4463,7 +4477,7 @@
           <a:p>
             <a:fld id="{F0BDD25D-CE61-40B1-8B8A-B25BFE7A8999}" type="datetimeFigureOut">
               <a:rPr lang="it-IT" smtClean="0"/>
-              <a:t>08/02/2025</a:t>
+              <a:t>09/02/2025</a:t>
             </a:fld>
             <a:endParaRPr lang="it-IT"/>
           </a:p>
@@ -4604,7 +4618,7 @@
           <a:p>
             <a:fld id="{F0BDD25D-CE61-40B1-8B8A-B25BFE7A8999}" type="datetimeFigureOut">
               <a:rPr lang="it-IT" smtClean="0"/>
-              <a:t>08/02/2025</a:t>
+              <a:t>09/02/2025</a:t>
             </a:fld>
             <a:endParaRPr lang="it-IT"/>
           </a:p>
@@ -4717,7 +4731,7 @@
           <a:p>
             <a:fld id="{F0BDD25D-CE61-40B1-8B8A-B25BFE7A8999}" type="datetimeFigureOut">
               <a:rPr lang="it-IT" smtClean="0"/>
-              <a:t>08/02/2025</a:t>
+              <a:t>09/02/2025</a:t>
             </a:fld>
             <a:endParaRPr lang="it-IT"/>
           </a:p>
@@ -5028,7 +5042,7 @@
           <a:p>
             <a:fld id="{F0BDD25D-CE61-40B1-8B8A-B25BFE7A8999}" type="datetimeFigureOut">
               <a:rPr lang="it-IT" smtClean="0"/>
-              <a:t>08/02/2025</a:t>
+              <a:t>09/02/2025</a:t>
             </a:fld>
             <a:endParaRPr lang="it-IT"/>
           </a:p>
@@ -5316,7 +5330,7 @@
           <a:p>
             <a:fld id="{F0BDD25D-CE61-40B1-8B8A-B25BFE7A8999}" type="datetimeFigureOut">
               <a:rPr lang="it-IT" smtClean="0"/>
-              <a:t>08/02/2025</a:t>
+              <a:t>09/02/2025</a:t>
             </a:fld>
             <a:endParaRPr lang="it-IT"/>
           </a:p>
@@ -5557,7 +5571,7 @@
           <a:p>
             <a:fld id="{F0BDD25D-CE61-40B1-8B8A-B25BFE7A8999}" type="datetimeFigureOut">
               <a:rPr lang="it-IT" smtClean="0"/>
-              <a:t>08/02/2025</a:t>
+              <a:t>09/02/2025</a:t>
             </a:fld>
             <a:endParaRPr lang="it-IT"/>
           </a:p>
@@ -8472,8 +8486,8 @@
         </p:blipFill>
         <p:spPr bwMode="auto">
           <a:xfrm>
-            <a:off x="5077195" y="1165129"/>
-            <a:ext cx="1987330" cy="4111493"/>
+            <a:off x="5164281" y="1530991"/>
+            <a:ext cx="1810487" cy="3745631"/>
           </a:xfrm>
           <a:prstGeom prst="rect">
             <a:avLst/>
@@ -8551,6 +8565,141 @@
           </a:extLst>
         </p:spPr>
       </p:pic>
+      <p:sp>
+        <p:nvSpPr>
+          <p:cNvPr id="3" name="CasellaDiTesto 2">
+            <a:extLst>
+              <a:ext uri="{FF2B5EF4-FFF2-40B4-BE49-F238E27FC236}">
+                <a16:creationId xmlns:a16="http://schemas.microsoft.com/office/drawing/2014/main" id="{5CC1DC2B-0384-A1E4-97D1-83A58D6E69EB}"/>
+              </a:ext>
+            </a:extLst>
+          </p:cNvPr>
+          <p:cNvSpPr txBox="1"/>
+          <p:nvPr/>
+        </p:nvSpPr>
+        <p:spPr>
+          <a:xfrm>
+            <a:off x="1498977" y="4807598"/>
+            <a:ext cx="2531464" cy="338554"/>
+          </a:xfrm>
+          <a:prstGeom prst="rect">
+            <a:avLst/>
+          </a:prstGeom>
+          <a:noFill/>
+        </p:spPr>
+        <p:txBody>
+          <a:bodyPr wrap="square" rtlCol="0">
+            <a:spAutoFit/>
+          </a:bodyPr>
+          <a:lstStyle/>
+          <a:p>
+            <a:pPr algn="ctr"/>
+            <a:r>
+              <a:rPr lang="it-IT" sz="1600" b="1" dirty="0">
+                <a:solidFill>
+                  <a:schemeClr val="bg1"/>
+                </a:solidFill>
+              </a:rPr>
+              <a:t>Morris Worm (1988)</a:t>
+            </a:r>
+            <a:endParaRPr lang="it-IT" sz="1200" dirty="0">
+              <a:solidFill>
+                <a:schemeClr val="bg1"/>
+              </a:solidFill>
+            </a:endParaRPr>
+          </a:p>
+        </p:txBody>
+      </p:sp>
+      <p:sp>
+        <p:nvSpPr>
+          <p:cNvPr id="5" name="CasellaDiTesto 4">
+            <a:extLst>
+              <a:ext uri="{FF2B5EF4-FFF2-40B4-BE49-F238E27FC236}">
+                <a16:creationId xmlns:a16="http://schemas.microsoft.com/office/drawing/2014/main" id="{8E6C3381-055B-05C7-DA94-DF7859FE2CAD}"/>
+              </a:ext>
+            </a:extLst>
+          </p:cNvPr>
+          <p:cNvSpPr txBox="1"/>
+          <p:nvPr/>
+        </p:nvSpPr>
+        <p:spPr>
+          <a:xfrm>
+            <a:off x="5107274" y="1119348"/>
+            <a:ext cx="1924500" cy="338554"/>
+          </a:xfrm>
+          <a:prstGeom prst="rect">
+            <a:avLst/>
+          </a:prstGeom>
+          <a:noFill/>
+        </p:spPr>
+        <p:txBody>
+          <a:bodyPr wrap="square" rtlCol="0">
+            <a:spAutoFit/>
+          </a:bodyPr>
+          <a:lstStyle/>
+          <a:p>
+            <a:pPr algn="ctr"/>
+            <a:r>
+              <a:rPr lang="it-IT" sz="1600" b="1" dirty="0">
+                <a:solidFill>
+                  <a:schemeClr val="bg1"/>
+                </a:solidFill>
+              </a:rPr>
+              <a:t>Ariane 5 (1996)</a:t>
+            </a:r>
+            <a:endParaRPr lang="it-IT" sz="1200" dirty="0">
+              <a:solidFill>
+                <a:schemeClr val="bg1"/>
+              </a:solidFill>
+            </a:endParaRPr>
+          </a:p>
+        </p:txBody>
+      </p:sp>
+      <p:sp>
+        <p:nvSpPr>
+          <p:cNvPr id="6" name="CasellaDiTesto 5">
+            <a:extLst>
+              <a:ext uri="{FF2B5EF4-FFF2-40B4-BE49-F238E27FC236}">
+                <a16:creationId xmlns:a16="http://schemas.microsoft.com/office/drawing/2014/main" id="{C1DB2C0A-527A-E94A-95C4-2AEA79C41F5E}"/>
+              </a:ext>
+            </a:extLst>
+          </p:cNvPr>
+          <p:cNvSpPr txBox="1"/>
+          <p:nvPr/>
+        </p:nvSpPr>
+        <p:spPr>
+          <a:xfrm>
+            <a:off x="8234941" y="4810311"/>
+            <a:ext cx="2531464" cy="338554"/>
+          </a:xfrm>
+          <a:prstGeom prst="rect">
+            <a:avLst/>
+          </a:prstGeom>
+          <a:noFill/>
+        </p:spPr>
+        <p:txBody>
+          <a:bodyPr wrap="square" rtlCol="0">
+            <a:spAutoFit/>
+          </a:bodyPr>
+          <a:lstStyle/>
+          <a:p>
+            <a:pPr algn="ctr"/>
+            <a:r>
+              <a:rPr lang="it-IT" sz="1600" b="1" dirty="0">
+                <a:solidFill>
+                  <a:schemeClr val="bg1"/>
+                </a:solidFill>
+              </a:rPr>
+              <a:t>Therac-25 (1985-1987)</a:t>
+            </a:r>
+            <a:endParaRPr lang="it-IT" sz="1200" dirty="0">
+              <a:solidFill>
+                <a:schemeClr val="bg1"/>
+              </a:solidFill>
+            </a:endParaRPr>
+          </a:p>
+        </p:txBody>
+      </p:sp>
     </p:spTree>
     <p:extLst>
       <p:ext uri="{BB962C8B-B14F-4D97-AF65-F5344CB8AC3E}">
@@ -10195,6 +10344,36 @@
               </a14:hiddenFill>
             </a:ext>
           </a:extLst>
+        </p:spPr>
+      </p:pic>
+      <p:pic>
+        <p:nvPicPr>
+          <p:cNvPr id="5" name="Immagine 4">
+            <a:extLst>
+              <a:ext uri="{FF2B5EF4-FFF2-40B4-BE49-F238E27FC236}">
+                <a16:creationId xmlns:a16="http://schemas.microsoft.com/office/drawing/2014/main" id="{61CF66AC-3A7C-097D-F70B-839DCA3559FB}"/>
+              </a:ext>
+            </a:extLst>
+          </p:cNvPr>
+          <p:cNvPicPr>
+            <a:picLocks noChangeAspect="1"/>
+          </p:cNvPicPr>
+          <p:nvPr/>
+        </p:nvPicPr>
+        <p:blipFill>
+          <a:blip r:embed="rId9"/>
+          <a:stretch>
+            <a:fillRect/>
+          </a:stretch>
+        </p:blipFill>
+        <p:spPr>
+          <a:xfrm>
+            <a:off x="6849863" y="2739613"/>
+            <a:ext cx="174028" cy="88627"/>
+          </a:xfrm>
+          <a:prstGeom prst="rect">
+            <a:avLst/>
+          </a:prstGeom>
         </p:spPr>
       </p:pic>
     </p:spTree>
